--- a/Szymon_Kołodziejczyk_Prezentacja_Pracy_Inżynierskiej.pptx
+++ b/Szymon_Kołodziejczyk_Prezentacja_Pracy_Inżynierskiej.pptx
@@ -6126,14 +6126,14 @@
   <p:clrMapOvr>
     <a:masterClrMapping/>
   </p:clrMapOvr>
-  <mc:AlternateContent xmlns:mc="http://schemas.openxmlformats.org/markup-compatibility/2006" xmlns:p159="http://schemas.microsoft.com/office/powerpoint/2015/09/main">
-    <mc:Choice Requires="p159">
-      <p:transition spd="med">
+  <mc:AlternateContent xmlns:mc="http://schemas.openxmlformats.org/markup-compatibility/2006">
+    <mc:Choice xmlns:p159="http://schemas.microsoft.com/office/powerpoint/2015/09/main" Requires="p159">
+      <p:transition xmlns:p14="http://schemas.microsoft.com/office/powerpoint/2010/main" spd="slow" p14:dur="2000">
         <p159:morph option="byObject"/>
       </p:transition>
     </mc:Choice>
-    <mc:Fallback xmlns="">
-      <p:transition spd="med">
+    <mc:Fallback>
+      <p:transition spd="slow">
         <p:fade/>
       </p:transition>
     </mc:Fallback>
@@ -6257,14 +6257,14 @@
   <p:clrMapOvr>
     <a:masterClrMapping/>
   </p:clrMapOvr>
-  <mc:AlternateContent xmlns:mc="http://schemas.openxmlformats.org/markup-compatibility/2006" xmlns:p159="http://schemas.microsoft.com/office/powerpoint/2015/09/main">
-    <mc:Choice Requires="p159">
-      <p:transition spd="med">
+  <mc:AlternateContent xmlns:mc="http://schemas.openxmlformats.org/markup-compatibility/2006">
+    <mc:Choice xmlns:p159="http://schemas.microsoft.com/office/powerpoint/2015/09/main" Requires="p159">
+      <p:transition xmlns:p14="http://schemas.microsoft.com/office/powerpoint/2010/main" spd="slow" p14:dur="2000">
         <p159:morph option="byObject"/>
       </p:transition>
     </mc:Choice>
-    <mc:Fallback xmlns="">
-      <p:transition spd="med">
+    <mc:Fallback>
+      <p:transition spd="slow">
         <p:fade/>
       </p:transition>
     </mc:Fallback>
@@ -6577,14 +6577,14 @@
   <p:clrMapOvr>
     <a:masterClrMapping/>
   </p:clrMapOvr>
-  <mc:AlternateContent xmlns:mc="http://schemas.openxmlformats.org/markup-compatibility/2006" xmlns:p159="http://schemas.microsoft.com/office/powerpoint/2015/09/main">
-    <mc:Choice Requires="p159">
-      <p:transition spd="med">
+  <mc:AlternateContent xmlns:mc="http://schemas.openxmlformats.org/markup-compatibility/2006">
+    <mc:Choice xmlns:p159="http://schemas.microsoft.com/office/powerpoint/2015/09/main" Requires="p159">
+      <p:transition xmlns:p14="http://schemas.microsoft.com/office/powerpoint/2010/main" spd="slow" p14:dur="2000">
         <p159:morph option="byObject"/>
       </p:transition>
     </mc:Choice>
-    <mc:Fallback xmlns="">
-      <p:transition spd="med">
+    <mc:Fallback>
+      <p:transition spd="slow">
         <p:fade/>
       </p:transition>
     </mc:Fallback>
@@ -6672,7 +6672,13 @@
           <a:p>
             <a:r>
               <a:rPr lang="pl-PL" dirty="0"/>
-              <a:t>Projekt i implementacja Podsumowanie</a:t>
+              <a:t>Projekt i implementacja </a:t>
+            </a:r>
+          </a:p>
+          <a:p>
+            <a:r>
+              <a:rPr lang="pl-PL" dirty="0"/>
+              <a:t>Podsumowanie</a:t>
             </a:r>
           </a:p>
         </p:txBody>
@@ -6687,14 +6693,14 @@
   <p:clrMapOvr>
     <a:masterClrMapping/>
   </p:clrMapOvr>
-  <mc:AlternateContent xmlns:mc="http://schemas.openxmlformats.org/markup-compatibility/2006" xmlns:p159="http://schemas.microsoft.com/office/powerpoint/2015/09/main">
-    <mc:Choice Requires="p159">
-      <p:transition spd="med">
+  <mc:AlternateContent xmlns:mc="http://schemas.openxmlformats.org/markup-compatibility/2006">
+    <mc:Choice xmlns:p159="http://schemas.microsoft.com/office/powerpoint/2015/09/main" Requires="p159">
+      <p:transition xmlns:p14="http://schemas.microsoft.com/office/powerpoint/2010/main" spd="slow" p14:dur="2000">
         <p159:morph option="byObject"/>
       </p:transition>
     </mc:Choice>
-    <mc:Fallback xmlns="">
-      <p:transition spd="med">
+    <mc:Fallback>
+      <p:transition spd="slow">
         <p:fade/>
       </p:transition>
     </mc:Fallback>
@@ -6872,6 +6878,58 @@
                             </p:childTnLst>
                           </p:cTn>
                         </p:par>
+                        <p:par>
+                          <p:cTn id="16" fill="hold">
+                            <p:stCondLst>
+                              <p:cond delay="750"/>
+                            </p:stCondLst>
+                            <p:childTnLst>
+                              <p:par>
+                                <p:cTn id="17" presetID="10" presetClass="entr" presetSubtype="0" fill="hold" nodeType="afterEffect">
+                                  <p:stCondLst>
+                                    <p:cond delay="0"/>
+                                  </p:stCondLst>
+                                  <p:childTnLst>
+                                    <p:set>
+                                      <p:cBhvr>
+                                        <p:cTn id="18" dur="1" fill="hold">
+                                          <p:stCondLst>
+                                            <p:cond delay="0"/>
+                                          </p:stCondLst>
+                                        </p:cTn>
+                                        <p:tgtEl>
+                                          <p:spTgt spid="3">
+                                            <p:txEl>
+                                              <p:pRg st="3" end="3"/>
+                                            </p:txEl>
+                                          </p:spTgt>
+                                        </p:tgtEl>
+                                        <p:attrNameLst>
+                                          <p:attrName>style.visibility</p:attrName>
+                                        </p:attrNameLst>
+                                      </p:cBhvr>
+                                      <p:to>
+                                        <p:strVal val="visible"/>
+                                      </p:to>
+                                    </p:set>
+                                    <p:animEffect transition="in" filter="fade">
+                                      <p:cBhvr>
+                                        <p:cTn id="19" dur="250"/>
+                                        <p:tgtEl>
+                                          <p:spTgt spid="3">
+                                            <p:txEl>
+                                              <p:pRg st="3" end="3"/>
+                                            </p:txEl>
+                                          </p:spTgt>
+                                        </p:tgtEl>
+                                      </p:cBhvr>
+                                    </p:animEffect>
+                                  </p:childTnLst>
+                                </p:cTn>
+                              </p:par>
+                            </p:childTnLst>
+                          </p:cTn>
+                        </p:par>
                       </p:childTnLst>
                     </p:cTn>
                   </p:par>
@@ -6986,14 +7044,14 @@
   <p:clrMapOvr>
     <a:masterClrMapping/>
   </p:clrMapOvr>
-  <mc:AlternateContent xmlns:mc="http://schemas.openxmlformats.org/markup-compatibility/2006" xmlns:p159="http://schemas.microsoft.com/office/powerpoint/2015/09/main">
-    <mc:Choice Requires="p159">
-      <p:transition spd="med">
+  <mc:AlternateContent xmlns:mc="http://schemas.openxmlformats.org/markup-compatibility/2006">
+    <mc:Choice xmlns:p159="http://schemas.microsoft.com/office/powerpoint/2015/09/main" Requires="p159">
+      <p:transition xmlns:p14="http://schemas.microsoft.com/office/powerpoint/2010/main" spd="slow" p14:dur="2000">
         <p159:morph option="byObject"/>
       </p:transition>
     </mc:Choice>
-    <mc:Fallback xmlns="">
-      <p:transition spd="med">
+    <mc:Fallback>
+      <p:transition spd="slow">
         <p:fade/>
       </p:transition>
     </mc:Fallback>
@@ -7475,14 +7533,14 @@
   <p:clrMapOvr>
     <a:masterClrMapping/>
   </p:clrMapOvr>
-  <mc:AlternateContent xmlns:mc="http://schemas.openxmlformats.org/markup-compatibility/2006" xmlns:p159="http://schemas.microsoft.com/office/powerpoint/2015/09/main">
-    <mc:Choice Requires="p159">
-      <p:transition spd="med">
+  <mc:AlternateContent xmlns:mc="http://schemas.openxmlformats.org/markup-compatibility/2006">
+    <mc:Choice xmlns:p159="http://schemas.microsoft.com/office/powerpoint/2015/09/main" Requires="p159">
+      <p:transition xmlns:p14="http://schemas.microsoft.com/office/powerpoint/2010/main" spd="slow" p14:dur="2000">
         <p159:morph option="byObject"/>
       </p:transition>
     </mc:Choice>
-    <mc:Fallback xmlns="">
-      <p:transition spd="med">
+    <mc:Fallback>
+      <p:transition spd="slow">
         <p:fade/>
       </p:transition>
     </mc:Fallback>
@@ -8078,14 +8136,14 @@
   <p:clrMapOvr>
     <a:masterClrMapping/>
   </p:clrMapOvr>
-  <mc:AlternateContent xmlns:mc="http://schemas.openxmlformats.org/markup-compatibility/2006" xmlns:p159="http://schemas.microsoft.com/office/powerpoint/2015/09/main">
-    <mc:Choice Requires="p159">
-      <p:transition spd="med">
+  <mc:AlternateContent xmlns:mc="http://schemas.openxmlformats.org/markup-compatibility/2006">
+    <mc:Choice xmlns:p159="http://schemas.microsoft.com/office/powerpoint/2015/09/main" Requires="p159">
+      <p:transition xmlns:p14="http://schemas.microsoft.com/office/powerpoint/2010/main" spd="slow" p14:dur="2000">
         <p159:morph option="byObject"/>
       </p:transition>
     </mc:Choice>
-    <mc:Fallback xmlns="">
-      <p:transition spd="med">
+    <mc:Fallback>
+      <p:transition spd="slow">
         <p:fade/>
       </p:transition>
     </mc:Fallback>
@@ -8373,10 +8431,10 @@
       </p:pic>
       <p:pic>
         <p:nvPicPr>
-          <p:cNvPr id="15" name="Obraz 14">
+          <p:cNvPr id="17" name="Obraz 16">
             <a:extLst>
               <a:ext uri="{FF2B5EF4-FFF2-40B4-BE49-F238E27FC236}">
-                <a16:creationId xmlns:a16="http://schemas.microsoft.com/office/drawing/2014/main" id="{E7F0B5AE-8D96-93CC-EF02-02DEED969832}"/>
+                <a16:creationId xmlns:a16="http://schemas.microsoft.com/office/drawing/2014/main" id="{0FE12729-FD06-3783-E44C-D6176A815E88}"/>
               </a:ext>
             </a:extLst>
           </p:cNvPr>
@@ -8399,43 +8457,7 @@
         </p:blipFill>
         <p:spPr>
           <a:xfrm>
-            <a:off x="2183667" y="1539939"/>
-            <a:ext cx="7814015" cy="4797212"/>
-          </a:xfrm>
-          <a:prstGeom prst="rect">
-            <a:avLst/>
-          </a:prstGeom>
-        </p:spPr>
-      </p:pic>
-      <p:pic>
-        <p:nvPicPr>
-          <p:cNvPr id="17" name="Obraz 16">
-            <a:extLst>
-              <a:ext uri="{FF2B5EF4-FFF2-40B4-BE49-F238E27FC236}">
-                <a16:creationId xmlns:a16="http://schemas.microsoft.com/office/drawing/2014/main" id="{0FE12729-FD06-3783-E44C-D6176A815E88}"/>
-              </a:ext>
-            </a:extLst>
-          </p:cNvPr>
-          <p:cNvPicPr>
-            <a:picLocks noChangeAspect="1"/>
-          </p:cNvPicPr>
-          <p:nvPr/>
-        </p:nvPicPr>
-        <p:blipFill>
-          <a:blip r:embed="rId4">
-            <a:extLst>
-              <a:ext uri="{28A0092B-C50C-407E-A947-70E740481C1C}">
-                <a14:useLocalDpi xmlns:a14="http://schemas.microsoft.com/office/drawing/2010/main" val="0"/>
-              </a:ext>
-            </a:extLst>
-          </a:blip>
-          <a:stretch>
-            <a:fillRect/>
-          </a:stretch>
-        </p:blipFill>
-        <p:spPr>
-          <a:xfrm>
-            <a:off x="2001269" y="1630789"/>
+            <a:off x="2001267" y="1574106"/>
             <a:ext cx="8178809" cy="4615512"/>
           </a:xfrm>
           <a:prstGeom prst="rect">
@@ -8458,7 +8480,7 @@
           <p:nvPr/>
         </p:nvPicPr>
         <p:blipFill>
-          <a:blip r:embed="rId5">
+          <a:blip r:embed="rId4">
             <a:extLst>
               <a:ext uri="{28A0092B-C50C-407E-A947-70E740481C1C}">
                 <a14:useLocalDpi xmlns:a14="http://schemas.microsoft.com/office/drawing/2010/main" val="0"/>
@@ -8494,7 +8516,7 @@
           <p:nvPr/>
         </p:nvPicPr>
         <p:blipFill>
-          <a:blip r:embed="rId6">
+          <a:blip r:embed="rId5">
             <a:extLst>
               <a:ext uri="{28A0092B-C50C-407E-A947-70E740481C1C}">
                 <a14:useLocalDpi xmlns:a14="http://schemas.microsoft.com/office/drawing/2010/main" val="0"/>
@@ -8525,14 +8547,14 @@
   <p:clrMapOvr>
     <a:masterClrMapping/>
   </p:clrMapOvr>
-  <mc:AlternateContent xmlns:mc="http://schemas.openxmlformats.org/markup-compatibility/2006" xmlns:p159="http://schemas.microsoft.com/office/powerpoint/2015/09/main">
-    <mc:Choice Requires="p159">
-      <p:transition spd="med">
+  <mc:AlternateContent xmlns:mc="http://schemas.openxmlformats.org/markup-compatibility/2006">
+    <mc:Choice xmlns:p159="http://schemas.microsoft.com/office/powerpoint/2015/09/main" Requires="p159">
+      <p:transition xmlns:p14="http://schemas.microsoft.com/office/powerpoint/2010/main" spd="slow" p14:dur="2000">
         <p159:morph option="byObject"/>
       </p:transition>
     </mc:Choice>
-    <mc:Fallback xmlns="">
-      <p:transition spd="med">
+    <mc:Fallback>
+      <p:transition spd="slow">
         <p:fade/>
       </p:transition>
     </mc:Fallback>
@@ -8671,7 +8693,7 @@
                                           </p:stCondLst>
                                         </p:cTn>
                                         <p:tgtEl>
-                                          <p:spTgt spid="15"/>
+                                          <p:spTgt spid="17"/>
                                         </p:tgtEl>
                                         <p:attrNameLst>
                                           <p:attrName>style.visibility</p:attrName>
@@ -8685,7 +8707,7 @@
                                       <p:cBhvr>
                                         <p:cTn id="16" dur="500"/>
                                         <p:tgtEl>
-                                          <p:spTgt spid="15"/>
+                                          <p:spTgt spid="17"/>
                                         </p:tgtEl>
                                       </p:cBhvr>
                                     </p:animEffect>
@@ -8720,7 +8742,7 @@
                                       <p:cBhvr>
                                         <p:cTn id="20" dur="250"/>
                                         <p:tgtEl>
-                                          <p:spTgt spid="15"/>
+                                          <p:spTgt spid="17"/>
                                         </p:tgtEl>
                                       </p:cBhvr>
                                     </p:animEffect>
@@ -8732,7 +8754,7 @@
                                           </p:stCondLst>
                                         </p:cTn>
                                         <p:tgtEl>
-                                          <p:spTgt spid="15"/>
+                                          <p:spTgt spid="17"/>
                                         </p:tgtEl>
                                         <p:attrNameLst>
                                           <p:attrName>style.visibility</p:attrName>
@@ -8768,7 +8790,7 @@
                                           </p:stCondLst>
                                         </p:cTn>
                                         <p:tgtEl>
-                                          <p:spTgt spid="17"/>
+                                          <p:spTgt spid="19"/>
                                         </p:tgtEl>
                                         <p:attrNameLst>
                                           <p:attrName>style.visibility</p:attrName>
@@ -8782,7 +8804,7 @@
                                       <p:cBhvr>
                                         <p:cTn id="25" dur="500"/>
                                         <p:tgtEl>
-                                          <p:spTgt spid="17"/>
+                                          <p:spTgt spid="19"/>
                                         </p:tgtEl>
                                       </p:cBhvr>
                                     </p:animEffect>
@@ -8817,7 +8839,7 @@
                                       <p:cBhvr>
                                         <p:cTn id="29" dur="250"/>
                                         <p:tgtEl>
-                                          <p:spTgt spid="17"/>
+                                          <p:spTgt spid="19"/>
                                         </p:tgtEl>
                                       </p:cBhvr>
                                     </p:animEffect>
@@ -8829,7 +8851,7 @@
                                           </p:stCondLst>
                                         </p:cTn>
                                         <p:tgtEl>
-                                          <p:spTgt spid="17"/>
+                                          <p:spTgt spid="19"/>
                                         </p:tgtEl>
                                         <p:attrNameLst>
                                           <p:attrName>style.visibility</p:attrName>
@@ -8865,7 +8887,7 @@
                                           </p:stCondLst>
                                         </p:cTn>
                                         <p:tgtEl>
-                                          <p:spTgt spid="19"/>
+                                          <p:spTgt spid="21"/>
                                         </p:tgtEl>
                                         <p:attrNameLst>
                                           <p:attrName>style.visibility</p:attrName>
@@ -8878,103 +8900,6 @@
                                     <p:animEffect transition="in" filter="fade">
                                       <p:cBhvr>
                                         <p:cTn id="34" dur="500"/>
-                                        <p:tgtEl>
-                                          <p:spTgt spid="19"/>
-                                        </p:tgtEl>
-                                      </p:cBhvr>
-                                    </p:animEffect>
-                                  </p:childTnLst>
-                                </p:cTn>
-                              </p:par>
-                            </p:childTnLst>
-                          </p:cTn>
-                        </p:par>
-                      </p:childTnLst>
-                    </p:cTn>
-                  </p:par>
-                  <p:par>
-                    <p:cTn id="35" fill="hold">
-                      <p:stCondLst>
-                        <p:cond delay="indefinite"/>
-                      </p:stCondLst>
-                      <p:childTnLst>
-                        <p:par>
-                          <p:cTn id="36" fill="hold">
-                            <p:stCondLst>
-                              <p:cond delay="0"/>
-                            </p:stCondLst>
-                            <p:childTnLst>
-                              <p:par>
-                                <p:cTn id="37" presetID="10" presetClass="exit" presetSubtype="0" fill="hold" nodeType="clickEffect">
-                                  <p:stCondLst>
-                                    <p:cond delay="0"/>
-                                  </p:stCondLst>
-                                  <p:childTnLst>
-                                    <p:animEffect transition="out" filter="fade">
-                                      <p:cBhvr>
-                                        <p:cTn id="38" dur="250"/>
-                                        <p:tgtEl>
-                                          <p:spTgt spid="19"/>
-                                        </p:tgtEl>
-                                      </p:cBhvr>
-                                    </p:animEffect>
-                                    <p:set>
-                                      <p:cBhvr>
-                                        <p:cTn id="39" dur="1" fill="hold">
-                                          <p:stCondLst>
-                                            <p:cond delay="249"/>
-                                          </p:stCondLst>
-                                        </p:cTn>
-                                        <p:tgtEl>
-                                          <p:spTgt spid="19"/>
-                                        </p:tgtEl>
-                                        <p:attrNameLst>
-                                          <p:attrName>style.visibility</p:attrName>
-                                        </p:attrNameLst>
-                                      </p:cBhvr>
-                                      <p:to>
-                                        <p:strVal val="hidden"/>
-                                      </p:to>
-                                    </p:set>
-                                  </p:childTnLst>
-                                </p:cTn>
-                              </p:par>
-                            </p:childTnLst>
-                          </p:cTn>
-                        </p:par>
-                        <p:par>
-                          <p:cTn id="40" fill="hold">
-                            <p:stCondLst>
-                              <p:cond delay="250"/>
-                            </p:stCondLst>
-                            <p:childTnLst>
-                              <p:par>
-                                <p:cTn id="41" presetID="10" presetClass="entr" presetSubtype="0" fill="hold" nodeType="afterEffect">
-                                  <p:stCondLst>
-                                    <p:cond delay="0"/>
-                                  </p:stCondLst>
-                                  <p:childTnLst>
-                                    <p:set>
-                                      <p:cBhvr>
-                                        <p:cTn id="42" dur="1" fill="hold">
-                                          <p:stCondLst>
-                                            <p:cond delay="0"/>
-                                          </p:stCondLst>
-                                        </p:cTn>
-                                        <p:tgtEl>
-                                          <p:spTgt spid="21"/>
-                                        </p:tgtEl>
-                                        <p:attrNameLst>
-                                          <p:attrName>style.visibility</p:attrName>
-                                        </p:attrNameLst>
-                                      </p:cBhvr>
-                                      <p:to>
-                                        <p:strVal val="visible"/>
-                                      </p:to>
-                                    </p:set>
-                                    <p:animEffect transition="in" filter="fade">
-                                      <p:cBhvr>
-                                        <p:cTn id="43" dur="500"/>
                                         <p:tgtEl>
                                           <p:spTgt spid="21"/>
                                         </p:tgtEl>
@@ -9129,6 +9054,42 @@
           </a:prstGeom>
         </p:spPr>
       </p:pic>
+      <p:pic>
+        <p:nvPicPr>
+          <p:cNvPr id="3" name="Obraz 14">
+            <a:extLst>
+              <a:ext uri="{FF2B5EF4-FFF2-40B4-BE49-F238E27FC236}">
+                <a16:creationId xmlns:a16="http://schemas.microsoft.com/office/drawing/2014/main" id="{C8AC1EA4-3107-5EB8-DA3E-1B2638D33C46}"/>
+              </a:ext>
+            </a:extLst>
+          </p:cNvPr>
+          <p:cNvPicPr>
+            <a:picLocks noChangeAspect="1"/>
+          </p:cNvPicPr>
+          <p:nvPr/>
+        </p:nvPicPr>
+        <p:blipFill>
+          <a:blip r:embed="rId4">
+            <a:extLst>
+              <a:ext uri="{28A0092B-C50C-407E-A947-70E740481C1C}">
+                <a14:useLocalDpi xmlns:a14="http://schemas.microsoft.com/office/drawing/2010/main" val="0"/>
+              </a:ext>
+            </a:extLst>
+          </a:blip>
+          <a:stretch>
+            <a:fillRect/>
+          </a:stretch>
+        </p:blipFill>
+        <p:spPr>
+          <a:xfrm>
+            <a:off x="2183668" y="1580048"/>
+            <a:ext cx="7814015" cy="4797212"/>
+          </a:xfrm>
+          <a:prstGeom prst="rect">
+            <a:avLst/>
+          </a:prstGeom>
+        </p:spPr>
+      </p:pic>
     </p:spTree>
     <p:extLst>
       <p:ext uri="{BB962C8B-B14F-4D97-AF65-F5344CB8AC3E}">
@@ -9139,6 +9100,18 @@
   <p:clrMapOvr>
     <a:masterClrMapping/>
   </p:clrMapOvr>
+  <mc:AlternateContent xmlns:mc="http://schemas.openxmlformats.org/markup-compatibility/2006">
+    <mc:Choice xmlns:p159="http://schemas.microsoft.com/office/powerpoint/2015/09/main" Requires="p159">
+      <p:transition xmlns:p14="http://schemas.microsoft.com/office/powerpoint/2010/main" spd="slow" p14:dur="2000">
+        <p159:morph option="byObject"/>
+      </p:transition>
+    </mc:Choice>
+    <mc:Fallback>
+      <p:transition spd="slow">
+        <p:fade/>
+      </p:transition>
+    </mc:Fallback>
+  </mc:AlternateContent>
   <p:timing>
     <p:tnLst>
       <p:par>
@@ -9300,6 +9273,103 @@
                       </p:childTnLst>
                     </p:cTn>
                   </p:par>
+                  <p:par>
+                    <p:cTn id="17" fill="hold">
+                      <p:stCondLst>
+                        <p:cond delay="indefinite"/>
+                      </p:stCondLst>
+                      <p:childTnLst>
+                        <p:par>
+                          <p:cTn id="18" fill="hold">
+                            <p:stCondLst>
+                              <p:cond delay="0"/>
+                            </p:stCondLst>
+                            <p:childTnLst>
+                              <p:par>
+                                <p:cTn id="19" presetID="10" presetClass="exit" presetSubtype="0" fill="hold" nodeType="clickEffect">
+                                  <p:stCondLst>
+                                    <p:cond delay="0"/>
+                                  </p:stCondLst>
+                                  <p:childTnLst>
+                                    <p:animEffect transition="out" filter="fade">
+                                      <p:cBhvr>
+                                        <p:cTn id="20" dur="250"/>
+                                        <p:tgtEl>
+                                          <p:spTgt spid="5"/>
+                                        </p:tgtEl>
+                                      </p:cBhvr>
+                                    </p:animEffect>
+                                    <p:set>
+                                      <p:cBhvr>
+                                        <p:cTn id="21" dur="1" fill="hold">
+                                          <p:stCondLst>
+                                            <p:cond delay="249"/>
+                                          </p:stCondLst>
+                                        </p:cTn>
+                                        <p:tgtEl>
+                                          <p:spTgt spid="5"/>
+                                        </p:tgtEl>
+                                        <p:attrNameLst>
+                                          <p:attrName>style.visibility</p:attrName>
+                                        </p:attrNameLst>
+                                      </p:cBhvr>
+                                      <p:to>
+                                        <p:strVal val="hidden"/>
+                                      </p:to>
+                                    </p:set>
+                                  </p:childTnLst>
+                                </p:cTn>
+                              </p:par>
+                            </p:childTnLst>
+                          </p:cTn>
+                        </p:par>
+                        <p:par>
+                          <p:cTn id="22" fill="hold">
+                            <p:stCondLst>
+                              <p:cond delay="250"/>
+                            </p:stCondLst>
+                            <p:childTnLst>
+                              <p:par>
+                                <p:cTn id="23" presetID="10" presetClass="entr" presetSubtype="0" fill="hold" nodeType="afterEffect">
+                                  <p:stCondLst>
+                                    <p:cond delay="0"/>
+                                  </p:stCondLst>
+                                  <p:childTnLst>
+                                    <p:set>
+                                      <p:cBhvr>
+                                        <p:cTn id="24" dur="1" fill="hold">
+                                          <p:stCondLst>
+                                            <p:cond delay="0"/>
+                                          </p:stCondLst>
+                                        </p:cTn>
+                                        <p:tgtEl>
+                                          <p:spTgt spid="3"/>
+                                        </p:tgtEl>
+                                        <p:attrNameLst>
+                                          <p:attrName>style.visibility</p:attrName>
+                                        </p:attrNameLst>
+                                      </p:cBhvr>
+                                      <p:to>
+                                        <p:strVal val="visible"/>
+                                      </p:to>
+                                    </p:set>
+                                    <p:animEffect transition="in" filter="fade">
+                                      <p:cBhvr>
+                                        <p:cTn id="25" dur="500"/>
+                                        <p:tgtEl>
+                                          <p:spTgt spid="3"/>
+                                        </p:tgtEl>
+                                      </p:cBhvr>
+                                    </p:animEffect>
+                                  </p:childTnLst>
+                                </p:cTn>
+                              </p:par>
+                            </p:childTnLst>
+                          </p:cTn>
+                        </p:par>
+                      </p:childTnLst>
+                    </p:cTn>
+                  </p:par>
                 </p:childTnLst>
               </p:cTn>
               <p:prevCondLst>
@@ -9523,6 +9593,18 @@
   <p:clrMapOvr>
     <a:masterClrMapping/>
   </p:clrMapOvr>
+  <mc:AlternateContent xmlns:mc="http://schemas.openxmlformats.org/markup-compatibility/2006">
+    <mc:Choice xmlns:p159="http://schemas.microsoft.com/office/powerpoint/2015/09/main" Requires="p159">
+      <p:transition xmlns:p14="http://schemas.microsoft.com/office/powerpoint/2010/main" spd="slow" p14:dur="2000">
+        <p159:morph option="byObject"/>
+      </p:transition>
+    </mc:Choice>
+    <mc:Fallback>
+      <p:transition spd="slow">
+        <p:fade/>
+      </p:transition>
+    </mc:Fallback>
+  </mc:AlternateContent>
   <p:timing>
     <p:tnLst>
       <p:par>
@@ -10011,6 +10093,18 @@
   <p:clrMapOvr>
     <a:masterClrMapping/>
   </p:clrMapOvr>
+  <mc:AlternateContent xmlns:mc="http://schemas.openxmlformats.org/markup-compatibility/2006">
+    <mc:Choice xmlns:p159="http://schemas.microsoft.com/office/powerpoint/2015/09/main" Requires="p159">
+      <p:transition xmlns:p14="http://schemas.microsoft.com/office/powerpoint/2010/main" spd="slow" p14:dur="2000">
+        <p159:morph option="byObject"/>
+      </p:transition>
+    </mc:Choice>
+    <mc:Fallback>
+      <p:transition spd="slow">
+        <p:fade/>
+      </p:transition>
+    </mc:Fallback>
+  </mc:AlternateContent>
   <p:timing>
     <p:tnLst>
       <p:par>
